--- a/Pres_Avril/PresentationPIMSAvril-Briséis.pptx
+++ b/Pres_Avril/PresentationPIMSAvril-Briséis.pptx
@@ -20,10 +20,11 @@
     <p:sldId id="281" r:id="rId14"/>
     <p:sldId id="282" r:id="rId15"/>
     <p:sldId id="272" r:id="rId16"/>
-    <p:sldId id="287" r:id="rId17"/>
-    <p:sldId id="288" r:id="rId18"/>
-    <p:sldId id="273" r:id="rId19"/>
-    <p:sldId id="274" r:id="rId20"/>
+    <p:sldId id="289" r:id="rId17"/>
+    <p:sldId id="287" r:id="rId18"/>
+    <p:sldId id="290" r:id="rId19"/>
+    <p:sldId id="273" r:id="rId20"/>
+    <p:sldId id="274" r:id="rId21"/>
   </p:sldIdLst>
   <p:sldSz cx="12192000" cy="6858000"/>
   <p:notesSz cx="6858000" cy="9144000"/>
@@ -286,7 +287,7 @@
           <a:p>
             <a:fld id="{C8031BB3-0EB4-4EC6-BD7E-597E5107F289}" type="datetimeFigureOut">
               <a:rPr lang="fr-FR" smtClean="0"/>
-              <a:t>27/04/2016</a:t>
+              <a:t>28/04/2016</a:t>
             </a:fld>
             <a:endParaRPr lang="fr-FR"/>
           </a:p>
@@ -466,7 +467,7 @@
           <a:p>
             <a:fld id="{C8031BB3-0EB4-4EC6-BD7E-597E5107F289}" type="datetimeFigureOut">
               <a:rPr lang="fr-FR" smtClean="0"/>
-              <a:t>27/04/2016</a:t>
+              <a:t>28/04/2016</a:t>
             </a:fld>
             <a:endParaRPr lang="fr-FR"/>
           </a:p>
@@ -656,7 +657,7 @@
           <a:p>
             <a:fld id="{C8031BB3-0EB4-4EC6-BD7E-597E5107F289}" type="datetimeFigureOut">
               <a:rPr lang="fr-FR" smtClean="0"/>
-              <a:t>27/04/2016</a:t>
+              <a:t>28/04/2016</a:t>
             </a:fld>
             <a:endParaRPr lang="fr-FR"/>
           </a:p>
@@ -924,7 +925,7 @@
                 </a:solidFill>
               </a:rPr>
               <a:pPr/>
-              <a:t>27/04/2016</a:t>
+              <a:t>28/04/2016</a:t>
             </a:fld>
             <a:endParaRPr lang="fr-FR">
               <a:solidFill>
@@ -1223,7 +1224,7 @@
                 </a:solidFill>
               </a:rPr>
               <a:pPr/>
-              <a:t>27/04/2016</a:t>
+              <a:t>28/04/2016</a:t>
             </a:fld>
             <a:endParaRPr lang="fr-FR">
               <a:solidFill>
@@ -1584,7 +1585,7 @@
                 </a:solidFill>
               </a:rPr>
               <a:pPr/>
-              <a:t>27/04/2016</a:t>
+              <a:t>28/04/2016</a:t>
             </a:fld>
             <a:endParaRPr lang="fr-FR">
               <a:solidFill>
@@ -1939,7 +1940,7 @@
                 </a:solidFill>
               </a:rPr>
               <a:pPr/>
-              <a:t>27/04/2016</a:t>
+              <a:t>28/04/2016</a:t>
             </a:fld>
             <a:endParaRPr lang="fr-FR">
               <a:solidFill>
@@ -2428,7 +2429,7 @@
                 </a:solidFill>
               </a:rPr>
               <a:pPr/>
-              <a:t>27/04/2016</a:t>
+              <a:t>28/04/2016</a:t>
             </a:fld>
             <a:endParaRPr lang="fr-FR">
               <a:solidFill>
@@ -2665,7 +2666,7 @@
                 </a:solidFill>
               </a:rPr>
               <a:pPr/>
-              <a:t>27/04/2016</a:t>
+              <a:t>28/04/2016</a:t>
             </a:fld>
             <a:endParaRPr lang="fr-FR">
               <a:solidFill>
@@ -2874,7 +2875,7 @@
                 </a:solidFill>
               </a:rPr>
               <a:pPr/>
-              <a:t>27/04/2016</a:t>
+              <a:t>28/04/2016</a:t>
             </a:fld>
             <a:endParaRPr lang="fr-FR">
               <a:solidFill>
@@ -3239,7 +3240,7 @@
                 </a:solidFill>
               </a:rPr>
               <a:pPr/>
-              <a:t>27/04/2016</a:t>
+              <a:t>28/04/2016</a:t>
             </a:fld>
             <a:endParaRPr lang="fr-FR">
               <a:solidFill>
@@ -3514,7 +3515,7 @@
           <a:p>
             <a:fld id="{C8031BB3-0EB4-4EC6-BD7E-597E5107F289}" type="datetimeFigureOut">
               <a:rPr lang="fr-FR" smtClean="0"/>
-              <a:t>27/04/2016</a:t>
+              <a:t>28/04/2016</a:t>
             </a:fld>
             <a:endParaRPr lang="fr-FR"/>
           </a:p>
@@ -3796,7 +3797,7 @@
                 </a:solidFill>
               </a:rPr>
               <a:pPr/>
-              <a:t>27/04/2016</a:t>
+              <a:t>28/04/2016</a:t>
             </a:fld>
             <a:endParaRPr lang="fr-FR">
               <a:solidFill>
@@ -4166,7 +4167,7 @@
                 </a:solidFill>
               </a:rPr>
               <a:pPr/>
-              <a:t>27/04/2016</a:t>
+              <a:t>28/04/2016</a:t>
             </a:fld>
             <a:endParaRPr lang="fr-FR">
               <a:solidFill>
@@ -4599,7 +4600,7 @@
                 </a:solidFill>
               </a:rPr>
               <a:pPr/>
-              <a:t>27/04/2016</a:t>
+              <a:t>28/04/2016</a:t>
             </a:fld>
             <a:endParaRPr lang="fr-FR">
               <a:solidFill>
@@ -4963,7 +4964,7 @@
                 </a:solidFill>
               </a:rPr>
               <a:pPr/>
-              <a:t>27/04/2016</a:t>
+              <a:t>28/04/2016</a:t>
             </a:fld>
             <a:endParaRPr lang="fr-FR">
               <a:solidFill>
@@ -5315,7 +5316,7 @@
                 </a:solidFill>
               </a:rPr>
               <a:pPr/>
-              <a:t>27/04/2016</a:t>
+              <a:t>28/04/2016</a:t>
             </a:fld>
             <a:endParaRPr lang="fr-FR">
               <a:solidFill>
@@ -5739,7 +5740,7 @@
                 </a:solidFill>
               </a:rPr>
               <a:pPr/>
-              <a:t>27/04/2016</a:t>
+              <a:t>28/04/2016</a:t>
             </a:fld>
             <a:endParaRPr lang="fr-FR">
               <a:solidFill>
@@ -6028,7 +6029,7 @@
                 </a:solidFill>
               </a:rPr>
               <a:pPr/>
-              <a:t>27/04/2016</a:t>
+              <a:t>28/04/2016</a:t>
             </a:fld>
             <a:endParaRPr lang="fr-FR">
               <a:solidFill>
@@ -6322,7 +6323,7 @@
                 </a:solidFill>
               </a:rPr>
               <a:pPr/>
-              <a:t>27/04/2016</a:t>
+              <a:t>28/04/2016</a:t>
             </a:fld>
             <a:endParaRPr lang="fr-FR">
               <a:solidFill>
@@ -6674,7 +6675,7 @@
           <a:p>
             <a:fld id="{C8031BB3-0EB4-4EC6-BD7E-597E5107F289}" type="datetimeFigureOut">
               <a:rPr lang="fr-FR" smtClean="0"/>
-              <a:t>27/04/2016</a:t>
+              <a:t>28/04/2016</a:t>
             </a:fld>
             <a:endParaRPr lang="fr-FR"/>
           </a:p>
@@ -6915,7 +6916,7 @@
           <a:p>
             <a:fld id="{C8031BB3-0EB4-4EC6-BD7E-597E5107F289}" type="datetimeFigureOut">
               <a:rPr lang="fr-FR" smtClean="0"/>
-              <a:t>27/04/2016</a:t>
+              <a:t>28/04/2016</a:t>
             </a:fld>
             <a:endParaRPr lang="fr-FR"/>
           </a:p>
@@ -7291,7 +7292,7 @@
           <a:p>
             <a:fld id="{C8031BB3-0EB4-4EC6-BD7E-597E5107F289}" type="datetimeFigureOut">
               <a:rPr lang="fr-FR" smtClean="0"/>
-              <a:t>27/04/2016</a:t>
+              <a:t>28/04/2016</a:t>
             </a:fld>
             <a:endParaRPr lang="fr-FR"/>
           </a:p>
@@ -7420,7 +7421,7 @@
           <a:p>
             <a:fld id="{C8031BB3-0EB4-4EC6-BD7E-597E5107F289}" type="datetimeFigureOut">
               <a:rPr lang="fr-FR" smtClean="0"/>
-              <a:t>27/04/2016</a:t>
+              <a:t>28/04/2016</a:t>
             </a:fld>
             <a:endParaRPr lang="fr-FR"/>
           </a:p>
@@ -7527,7 +7528,7 @@
           <a:p>
             <a:fld id="{C8031BB3-0EB4-4EC6-BD7E-597E5107F289}" type="datetimeFigureOut">
               <a:rPr lang="fr-FR" smtClean="0"/>
-              <a:t>27/04/2016</a:t>
+              <a:t>28/04/2016</a:t>
             </a:fld>
             <a:endParaRPr lang="fr-FR"/>
           </a:p>
@@ -7814,7 +7815,7 @@
           <a:p>
             <a:fld id="{C8031BB3-0EB4-4EC6-BD7E-597E5107F289}" type="datetimeFigureOut">
               <a:rPr lang="fr-FR" smtClean="0"/>
-              <a:t>27/04/2016</a:t>
+              <a:t>28/04/2016</a:t>
             </a:fld>
             <a:endParaRPr lang="fr-FR"/>
           </a:p>
@@ -8078,7 +8079,7 @@
           <a:p>
             <a:fld id="{C8031BB3-0EB4-4EC6-BD7E-597E5107F289}" type="datetimeFigureOut">
               <a:rPr lang="fr-FR" smtClean="0"/>
-              <a:t>27/04/2016</a:t>
+              <a:t>28/04/2016</a:t>
             </a:fld>
             <a:endParaRPr lang="fr-FR"/>
           </a:p>
@@ -8322,7 +8323,7 @@
           <a:p>
             <a:fld id="{C8031BB3-0EB4-4EC6-BD7E-597E5107F289}" type="datetimeFigureOut">
               <a:rPr lang="fr-FR" smtClean="0"/>
-              <a:t>27/04/2016</a:t>
+              <a:t>28/04/2016</a:t>
             </a:fld>
             <a:endParaRPr lang="fr-FR"/>
           </a:p>
@@ -10719,7 +10720,7 @@
                 </a:solidFill>
               </a:rPr>
               <a:pPr/>
-              <a:t>27/04/2016</a:t>
+              <a:t>28/04/2016</a:t>
             </a:fld>
             <a:endParaRPr lang="fr-FR">
               <a:solidFill>
@@ -13134,17 +13135,541 @@
         </p:nvSpPr>
         <p:spPr>
           <a:xfrm>
-            <a:off x="1878012" y="274912"/>
-            <a:ext cx="8915400" cy="6212974"/>
+            <a:off x="6824868" y="1874093"/>
+            <a:ext cx="3962401" cy="6212974"/>
           </a:xfrm>
         </p:spPr>
         <p:txBody>
-          <a:bodyPr tIns="72000">
+          <a:bodyPr tIns="72000" numCol="1">
             <a:noAutofit/>
           </a:bodyPr>
           <a:lstStyle/>
           <a:p>
-            <a:pPr>
+            <a:r>
+              <a:rPr lang="fr-FR" dirty="0"/>
+              <a:t>Détermination des barycentres</a:t>
+            </a:r>
+          </a:p>
+        </p:txBody>
+      </p:sp>
+      <p:sp>
+        <p:nvSpPr>
+          <p:cNvPr id="5" name="Espace réservé du contenu 2"/>
+          <p:cNvSpPr txBox="1">
+            <a:spLocks/>
+          </p:cNvSpPr>
+          <p:nvPr/>
+        </p:nvSpPr>
+        <p:spPr>
+          <a:xfrm>
+            <a:off x="1122789" y="1577253"/>
+            <a:ext cx="4258912" cy="6212974"/>
+          </a:xfrm>
+          <a:prstGeom prst="rect">
+            <a:avLst/>
+          </a:prstGeom>
+        </p:spPr>
+        <p:txBody>
+          <a:bodyPr vert="horz" lIns="91440" tIns="72000" rIns="91440" bIns="45720" numCol="1" rtlCol="0">
+            <a:noAutofit/>
+          </a:bodyPr>
+          <a:lstStyle>
+            <a:lvl1pPr marL="342900" indent="-342900" algn="l" defTabSz="457200" rtl="0" eaLnBrk="1" latinLnBrk="0" hangingPunct="1">
+              <a:spcBef>
+                <a:spcPts val="1000"/>
+              </a:spcBef>
+              <a:spcAft>
+                <a:spcPts val="0"/>
+              </a:spcAft>
+              <a:buClr>
+                <a:schemeClr val="accent1"/>
+              </a:buClr>
+              <a:buFont typeface="Wingdings 3" charset="2"/>
+              <a:buChar char=""/>
+              <a:defRPr sz="1800" kern="1200">
+                <a:solidFill>
+                  <a:schemeClr val="tx1">
+                    <a:lumMod val="75000"/>
+                    <a:lumOff val="25000"/>
+                  </a:schemeClr>
+                </a:solidFill>
+                <a:latin typeface="+mn-lt"/>
+                <a:ea typeface="+mn-ea"/>
+                <a:cs typeface="+mn-cs"/>
+              </a:defRPr>
+            </a:lvl1pPr>
+            <a:lvl2pPr marL="742950" indent="-285750" algn="l" defTabSz="457200" rtl="0" eaLnBrk="1" latinLnBrk="0" hangingPunct="1">
+              <a:spcBef>
+                <a:spcPts val="1000"/>
+              </a:spcBef>
+              <a:spcAft>
+                <a:spcPts val="0"/>
+              </a:spcAft>
+              <a:buClr>
+                <a:schemeClr val="accent1"/>
+              </a:buClr>
+              <a:buFont typeface="Wingdings 3" charset="2"/>
+              <a:buChar char=""/>
+              <a:defRPr sz="1600" kern="1200">
+                <a:solidFill>
+                  <a:schemeClr val="tx1">
+                    <a:lumMod val="75000"/>
+                    <a:lumOff val="25000"/>
+                  </a:schemeClr>
+                </a:solidFill>
+                <a:latin typeface="+mn-lt"/>
+                <a:ea typeface="+mn-ea"/>
+                <a:cs typeface="+mn-cs"/>
+              </a:defRPr>
+            </a:lvl2pPr>
+            <a:lvl3pPr marL="1143000" indent="-228600" algn="l" defTabSz="457200" rtl="0" eaLnBrk="1" latinLnBrk="0" hangingPunct="1">
+              <a:spcBef>
+                <a:spcPts val="1000"/>
+              </a:spcBef>
+              <a:spcAft>
+                <a:spcPts val="0"/>
+              </a:spcAft>
+              <a:buClr>
+                <a:schemeClr val="accent1"/>
+              </a:buClr>
+              <a:buFont typeface="Wingdings 3" charset="2"/>
+              <a:buChar char=""/>
+              <a:defRPr sz="1400" kern="1200">
+                <a:solidFill>
+                  <a:schemeClr val="tx1">
+                    <a:lumMod val="75000"/>
+                    <a:lumOff val="25000"/>
+                  </a:schemeClr>
+                </a:solidFill>
+                <a:latin typeface="+mn-lt"/>
+                <a:ea typeface="+mn-ea"/>
+                <a:cs typeface="+mn-cs"/>
+              </a:defRPr>
+            </a:lvl3pPr>
+            <a:lvl4pPr marL="1600200" indent="-228600" algn="l" defTabSz="457200" rtl="0" eaLnBrk="1" latinLnBrk="0" hangingPunct="1">
+              <a:spcBef>
+                <a:spcPts val="1000"/>
+              </a:spcBef>
+              <a:spcAft>
+                <a:spcPts val="0"/>
+              </a:spcAft>
+              <a:buClr>
+                <a:schemeClr val="accent1"/>
+              </a:buClr>
+              <a:buFont typeface="Wingdings 3" charset="2"/>
+              <a:buChar char=""/>
+              <a:defRPr sz="1200" kern="1200">
+                <a:solidFill>
+                  <a:schemeClr val="tx1">
+                    <a:lumMod val="75000"/>
+                    <a:lumOff val="25000"/>
+                  </a:schemeClr>
+                </a:solidFill>
+                <a:latin typeface="+mn-lt"/>
+                <a:ea typeface="+mn-ea"/>
+                <a:cs typeface="+mn-cs"/>
+              </a:defRPr>
+            </a:lvl4pPr>
+            <a:lvl5pPr marL="2057400" indent="-228600" algn="l" defTabSz="457200" rtl="0" eaLnBrk="1" latinLnBrk="0" hangingPunct="1">
+              <a:spcBef>
+                <a:spcPts val="1000"/>
+              </a:spcBef>
+              <a:spcAft>
+                <a:spcPts val="0"/>
+              </a:spcAft>
+              <a:buClr>
+                <a:schemeClr val="accent1"/>
+              </a:buClr>
+              <a:buFont typeface="Wingdings 3" charset="2"/>
+              <a:buChar char=""/>
+              <a:defRPr sz="1200" kern="1200">
+                <a:solidFill>
+                  <a:schemeClr val="tx1">
+                    <a:lumMod val="75000"/>
+                    <a:lumOff val="25000"/>
+                  </a:schemeClr>
+                </a:solidFill>
+                <a:latin typeface="+mn-lt"/>
+                <a:ea typeface="+mn-ea"/>
+                <a:cs typeface="+mn-cs"/>
+              </a:defRPr>
+            </a:lvl5pPr>
+            <a:lvl6pPr marL="2514600" indent="-228600" algn="l" defTabSz="457200" rtl="0" eaLnBrk="1" latinLnBrk="0" hangingPunct="1">
+              <a:spcBef>
+                <a:spcPts val="1000"/>
+              </a:spcBef>
+              <a:spcAft>
+                <a:spcPts val="0"/>
+              </a:spcAft>
+              <a:buClr>
+                <a:schemeClr val="accent1"/>
+              </a:buClr>
+              <a:buFont typeface="Wingdings 3" charset="2"/>
+              <a:buChar char=""/>
+              <a:defRPr sz="1200" kern="1200">
+                <a:solidFill>
+                  <a:schemeClr val="tx1">
+                    <a:lumMod val="75000"/>
+                    <a:lumOff val="25000"/>
+                  </a:schemeClr>
+                </a:solidFill>
+                <a:latin typeface="+mn-lt"/>
+                <a:ea typeface="+mn-ea"/>
+                <a:cs typeface="+mn-cs"/>
+              </a:defRPr>
+            </a:lvl6pPr>
+            <a:lvl7pPr marL="2971800" indent="-228600" algn="l" defTabSz="457200" rtl="0" eaLnBrk="1" latinLnBrk="0" hangingPunct="1">
+              <a:spcBef>
+                <a:spcPts val="1000"/>
+              </a:spcBef>
+              <a:spcAft>
+                <a:spcPts val="0"/>
+              </a:spcAft>
+              <a:buClr>
+                <a:schemeClr val="accent1"/>
+              </a:buClr>
+              <a:buFont typeface="Wingdings 3" charset="2"/>
+              <a:buChar char=""/>
+              <a:defRPr sz="1200" kern="1200">
+                <a:solidFill>
+                  <a:schemeClr val="tx1">
+                    <a:lumMod val="75000"/>
+                    <a:lumOff val="25000"/>
+                  </a:schemeClr>
+                </a:solidFill>
+                <a:latin typeface="+mn-lt"/>
+                <a:ea typeface="+mn-ea"/>
+                <a:cs typeface="+mn-cs"/>
+              </a:defRPr>
+            </a:lvl7pPr>
+            <a:lvl8pPr marL="3429000" indent="-228600" algn="l" defTabSz="457200" rtl="0" eaLnBrk="1" latinLnBrk="0" hangingPunct="1">
+              <a:spcBef>
+                <a:spcPts val="1000"/>
+              </a:spcBef>
+              <a:spcAft>
+                <a:spcPts val="0"/>
+              </a:spcAft>
+              <a:buClr>
+                <a:schemeClr val="accent1"/>
+              </a:buClr>
+              <a:buFont typeface="Wingdings 3" charset="2"/>
+              <a:buChar char=""/>
+              <a:defRPr sz="1200" kern="1200">
+                <a:solidFill>
+                  <a:schemeClr val="tx1">
+                    <a:lumMod val="75000"/>
+                    <a:lumOff val="25000"/>
+                  </a:schemeClr>
+                </a:solidFill>
+                <a:latin typeface="+mn-lt"/>
+                <a:ea typeface="+mn-ea"/>
+                <a:cs typeface="+mn-cs"/>
+              </a:defRPr>
+            </a:lvl8pPr>
+            <a:lvl9pPr marL="3886200" indent="-228600" algn="l" defTabSz="457200" rtl="0" eaLnBrk="1" latinLnBrk="0" hangingPunct="1">
+              <a:spcBef>
+                <a:spcPts val="1000"/>
+              </a:spcBef>
+              <a:spcAft>
+                <a:spcPts val="0"/>
+              </a:spcAft>
+              <a:buClr>
+                <a:schemeClr val="accent1"/>
+              </a:buClr>
+              <a:buFont typeface="Wingdings 3" charset="2"/>
+              <a:buChar char=""/>
+              <a:defRPr sz="1200" kern="1200">
+                <a:solidFill>
+                  <a:schemeClr val="tx1">
+                    <a:lumMod val="75000"/>
+                    <a:lumOff val="25000"/>
+                  </a:schemeClr>
+                </a:solidFill>
+                <a:latin typeface="+mn-lt"/>
+                <a:ea typeface="+mn-ea"/>
+                <a:cs typeface="+mn-cs"/>
+              </a:defRPr>
+            </a:lvl9pPr>
+          </a:lstStyle>
+          <a:p>
+            <a:pPr marL="0" indent="0">
+              <a:buFont typeface="Wingdings 3" charset="2"/>
+              <a:buNone/>
+            </a:pPr>
+            <a:endParaRPr lang="fr-FR" u="sng" dirty="0"/>
+          </a:p>
+          <a:p>
+            <a:r>
+              <a:rPr lang="fr-FR" dirty="0"/>
+              <a:t>Seuillage</a:t>
+            </a:r>
+            <a:r>
+              <a:rPr lang="en-US" dirty="0"/>
+              <a:t> par rapport à </a:t>
+            </a:r>
+            <a:r>
+              <a:rPr lang="fr-FR" dirty="0"/>
+              <a:t>une</a:t>
+            </a:r>
+            <a:r>
+              <a:rPr lang="en-US" dirty="0"/>
+              <a:t> </a:t>
+            </a:r>
+            <a:r>
+              <a:rPr lang="fr-FR" dirty="0"/>
+              <a:t>gaussienne</a:t>
+            </a:r>
+            <a:r>
+              <a:rPr lang="en-US" dirty="0"/>
+              <a:t> 						</a:t>
+            </a:r>
+          </a:p>
+          <a:p>
+            <a:endParaRPr lang="fr-FR" dirty="0"/>
+          </a:p>
+        </p:txBody>
+      </p:sp>
+      <p:sp>
+        <p:nvSpPr>
+          <p:cNvPr id="6" name="Espace réservé du contenu 2"/>
+          <p:cNvSpPr txBox="1">
+            <a:spLocks/>
+          </p:cNvSpPr>
+          <p:nvPr/>
+        </p:nvSpPr>
+        <p:spPr>
+          <a:xfrm>
+            <a:off x="1152938" y="486946"/>
+            <a:ext cx="10731281" cy="2180615"/>
+          </a:xfrm>
+          <a:prstGeom prst="rect">
+            <a:avLst/>
+          </a:prstGeom>
+        </p:spPr>
+        <p:txBody>
+          <a:bodyPr vert="horz" lIns="91440" tIns="72000" rIns="91440" bIns="45720" numCol="1" rtlCol="0">
+            <a:noAutofit/>
+          </a:bodyPr>
+          <a:lstStyle>
+            <a:lvl1pPr marL="342900" indent="-342900" algn="l" defTabSz="457200" rtl="0" eaLnBrk="1" latinLnBrk="0" hangingPunct="1">
+              <a:spcBef>
+                <a:spcPts val="1000"/>
+              </a:spcBef>
+              <a:spcAft>
+                <a:spcPts val="0"/>
+              </a:spcAft>
+              <a:buClr>
+                <a:schemeClr val="accent1"/>
+              </a:buClr>
+              <a:buFont typeface="Wingdings 3" charset="2"/>
+              <a:buChar char=""/>
+              <a:defRPr sz="1800" kern="1200">
+                <a:solidFill>
+                  <a:schemeClr val="tx1">
+                    <a:lumMod val="75000"/>
+                    <a:lumOff val="25000"/>
+                  </a:schemeClr>
+                </a:solidFill>
+                <a:latin typeface="+mn-lt"/>
+                <a:ea typeface="+mn-ea"/>
+                <a:cs typeface="+mn-cs"/>
+              </a:defRPr>
+            </a:lvl1pPr>
+            <a:lvl2pPr marL="742950" indent="-285750" algn="l" defTabSz="457200" rtl="0" eaLnBrk="1" latinLnBrk="0" hangingPunct="1">
+              <a:spcBef>
+                <a:spcPts val="1000"/>
+              </a:spcBef>
+              <a:spcAft>
+                <a:spcPts val="0"/>
+              </a:spcAft>
+              <a:buClr>
+                <a:schemeClr val="accent1"/>
+              </a:buClr>
+              <a:buFont typeface="Wingdings 3" charset="2"/>
+              <a:buChar char=""/>
+              <a:defRPr sz="1600" kern="1200">
+                <a:solidFill>
+                  <a:schemeClr val="tx1">
+                    <a:lumMod val="75000"/>
+                    <a:lumOff val="25000"/>
+                  </a:schemeClr>
+                </a:solidFill>
+                <a:latin typeface="+mn-lt"/>
+                <a:ea typeface="+mn-ea"/>
+                <a:cs typeface="+mn-cs"/>
+              </a:defRPr>
+            </a:lvl2pPr>
+            <a:lvl3pPr marL="1143000" indent="-228600" algn="l" defTabSz="457200" rtl="0" eaLnBrk="1" latinLnBrk="0" hangingPunct="1">
+              <a:spcBef>
+                <a:spcPts val="1000"/>
+              </a:spcBef>
+              <a:spcAft>
+                <a:spcPts val="0"/>
+              </a:spcAft>
+              <a:buClr>
+                <a:schemeClr val="accent1"/>
+              </a:buClr>
+              <a:buFont typeface="Wingdings 3" charset="2"/>
+              <a:buChar char=""/>
+              <a:defRPr sz="1400" kern="1200">
+                <a:solidFill>
+                  <a:schemeClr val="tx1">
+                    <a:lumMod val="75000"/>
+                    <a:lumOff val="25000"/>
+                  </a:schemeClr>
+                </a:solidFill>
+                <a:latin typeface="+mn-lt"/>
+                <a:ea typeface="+mn-ea"/>
+                <a:cs typeface="+mn-cs"/>
+              </a:defRPr>
+            </a:lvl3pPr>
+            <a:lvl4pPr marL="1600200" indent="-228600" algn="l" defTabSz="457200" rtl="0" eaLnBrk="1" latinLnBrk="0" hangingPunct="1">
+              <a:spcBef>
+                <a:spcPts val="1000"/>
+              </a:spcBef>
+              <a:spcAft>
+                <a:spcPts val="0"/>
+              </a:spcAft>
+              <a:buClr>
+                <a:schemeClr val="accent1"/>
+              </a:buClr>
+              <a:buFont typeface="Wingdings 3" charset="2"/>
+              <a:buChar char=""/>
+              <a:defRPr sz="1200" kern="1200">
+                <a:solidFill>
+                  <a:schemeClr val="tx1">
+                    <a:lumMod val="75000"/>
+                    <a:lumOff val="25000"/>
+                  </a:schemeClr>
+                </a:solidFill>
+                <a:latin typeface="+mn-lt"/>
+                <a:ea typeface="+mn-ea"/>
+                <a:cs typeface="+mn-cs"/>
+              </a:defRPr>
+            </a:lvl4pPr>
+            <a:lvl5pPr marL="2057400" indent="-228600" algn="l" defTabSz="457200" rtl="0" eaLnBrk="1" latinLnBrk="0" hangingPunct="1">
+              <a:spcBef>
+                <a:spcPts val="1000"/>
+              </a:spcBef>
+              <a:spcAft>
+                <a:spcPts val="0"/>
+              </a:spcAft>
+              <a:buClr>
+                <a:schemeClr val="accent1"/>
+              </a:buClr>
+              <a:buFont typeface="Wingdings 3" charset="2"/>
+              <a:buChar char=""/>
+              <a:defRPr sz="1200" kern="1200">
+                <a:solidFill>
+                  <a:schemeClr val="tx1">
+                    <a:lumMod val="75000"/>
+                    <a:lumOff val="25000"/>
+                  </a:schemeClr>
+                </a:solidFill>
+                <a:latin typeface="+mn-lt"/>
+                <a:ea typeface="+mn-ea"/>
+                <a:cs typeface="+mn-cs"/>
+              </a:defRPr>
+            </a:lvl5pPr>
+            <a:lvl6pPr marL="2514600" indent="-228600" algn="l" defTabSz="457200" rtl="0" eaLnBrk="1" latinLnBrk="0" hangingPunct="1">
+              <a:spcBef>
+                <a:spcPts val="1000"/>
+              </a:spcBef>
+              <a:spcAft>
+                <a:spcPts val="0"/>
+              </a:spcAft>
+              <a:buClr>
+                <a:schemeClr val="accent1"/>
+              </a:buClr>
+              <a:buFont typeface="Wingdings 3" charset="2"/>
+              <a:buChar char=""/>
+              <a:defRPr sz="1200" kern="1200">
+                <a:solidFill>
+                  <a:schemeClr val="tx1">
+                    <a:lumMod val="75000"/>
+                    <a:lumOff val="25000"/>
+                  </a:schemeClr>
+                </a:solidFill>
+                <a:latin typeface="+mn-lt"/>
+                <a:ea typeface="+mn-ea"/>
+                <a:cs typeface="+mn-cs"/>
+              </a:defRPr>
+            </a:lvl6pPr>
+            <a:lvl7pPr marL="2971800" indent="-228600" algn="l" defTabSz="457200" rtl="0" eaLnBrk="1" latinLnBrk="0" hangingPunct="1">
+              <a:spcBef>
+                <a:spcPts val="1000"/>
+              </a:spcBef>
+              <a:spcAft>
+                <a:spcPts val="0"/>
+              </a:spcAft>
+              <a:buClr>
+                <a:schemeClr val="accent1"/>
+              </a:buClr>
+              <a:buFont typeface="Wingdings 3" charset="2"/>
+              <a:buChar char=""/>
+              <a:defRPr sz="1200" kern="1200">
+                <a:solidFill>
+                  <a:schemeClr val="tx1">
+                    <a:lumMod val="75000"/>
+                    <a:lumOff val="25000"/>
+                  </a:schemeClr>
+                </a:solidFill>
+                <a:latin typeface="+mn-lt"/>
+                <a:ea typeface="+mn-ea"/>
+                <a:cs typeface="+mn-cs"/>
+              </a:defRPr>
+            </a:lvl7pPr>
+            <a:lvl8pPr marL="3429000" indent="-228600" algn="l" defTabSz="457200" rtl="0" eaLnBrk="1" latinLnBrk="0" hangingPunct="1">
+              <a:spcBef>
+                <a:spcPts val="1000"/>
+              </a:spcBef>
+              <a:spcAft>
+                <a:spcPts val="0"/>
+              </a:spcAft>
+              <a:buClr>
+                <a:schemeClr val="accent1"/>
+              </a:buClr>
+              <a:buFont typeface="Wingdings 3" charset="2"/>
+              <a:buChar char=""/>
+              <a:defRPr sz="1200" kern="1200">
+                <a:solidFill>
+                  <a:schemeClr val="tx1">
+                    <a:lumMod val="75000"/>
+                    <a:lumOff val="25000"/>
+                  </a:schemeClr>
+                </a:solidFill>
+                <a:latin typeface="+mn-lt"/>
+                <a:ea typeface="+mn-ea"/>
+                <a:cs typeface="+mn-cs"/>
+              </a:defRPr>
+            </a:lvl8pPr>
+            <a:lvl9pPr marL="3886200" indent="-228600" algn="l" defTabSz="457200" rtl="0" eaLnBrk="1" latinLnBrk="0" hangingPunct="1">
+              <a:spcBef>
+                <a:spcPts val="1000"/>
+              </a:spcBef>
+              <a:spcAft>
+                <a:spcPts val="0"/>
+              </a:spcAft>
+              <a:buClr>
+                <a:schemeClr val="accent1"/>
+              </a:buClr>
+              <a:buFont typeface="Wingdings 3" charset="2"/>
+              <a:buChar char=""/>
+              <a:defRPr sz="1200" kern="1200">
+                <a:solidFill>
+                  <a:schemeClr val="tx1">
+                    <a:lumMod val="75000"/>
+                    <a:lumOff val="25000"/>
+                  </a:schemeClr>
+                </a:solidFill>
+                <a:latin typeface="+mn-lt"/>
+                <a:ea typeface="+mn-ea"/>
+                <a:cs typeface="+mn-cs"/>
+              </a:defRPr>
+            </a:lvl9pPr>
+          </a:lstStyle>
+          <a:p>
+            <a:pPr algn="ctr">
               <a:buFont typeface="Wingdings" panose="05000000000000000000" pitchFamily="2" charset="2"/>
               <a:buChar char="v"/>
             </a:pPr>
@@ -13152,21 +13677,64 @@
               <a:rPr lang="fr-FR" sz="2800" u="sng" dirty="0"/>
               <a:t>Méthode1 : Seuillage des images dans le domaine réel</a:t>
             </a:r>
-          </a:p>
-          <a:p>
-            <a:pPr marL="0" indent="0">
-              <a:buNone/>
-            </a:pPr>
-            <a:endParaRPr lang="fr-FR" u="sng" dirty="0"/>
-          </a:p>
-          <a:p>
-            <a:pPr marL="0" indent="0">
-              <a:buNone/>
-            </a:pPr>
-            <a:endParaRPr lang="fr-FR" u="sng" dirty="0"/>
-          </a:p>
-        </p:txBody>
-      </p:sp>
+            <a:r>
+              <a:rPr lang="en-US" dirty="0"/>
+              <a:t>			</a:t>
+            </a:r>
+          </a:p>
+          <a:p>
+            <a:endParaRPr lang="fr-FR" dirty="0"/>
+          </a:p>
+        </p:txBody>
+      </p:sp>
+      <p:pic>
+        <p:nvPicPr>
+          <p:cNvPr id="8" name="Image 7"/>
+          <p:cNvPicPr>
+            <a:picLocks noChangeAspect="1"/>
+          </p:cNvPicPr>
+          <p:nvPr/>
+        </p:nvPicPr>
+        <p:blipFill>
+          <a:blip r:embed="rId2"/>
+          <a:stretch>
+            <a:fillRect/>
+          </a:stretch>
+        </p:blipFill>
+        <p:spPr>
+          <a:xfrm>
+            <a:off x="6518578" y="2737696"/>
+            <a:ext cx="5076897" cy="3819375"/>
+          </a:xfrm>
+          <a:prstGeom prst="rect">
+            <a:avLst/>
+          </a:prstGeom>
+        </p:spPr>
+      </p:pic>
+      <p:pic>
+        <p:nvPicPr>
+          <p:cNvPr id="9" name="Image 8"/>
+          <p:cNvPicPr>
+            <a:picLocks noChangeAspect="1"/>
+          </p:cNvPicPr>
+          <p:nvPr/>
+        </p:nvPicPr>
+        <p:blipFill>
+          <a:blip r:embed="rId3"/>
+          <a:stretch>
+            <a:fillRect/>
+          </a:stretch>
+        </p:blipFill>
+        <p:spPr>
+          <a:xfrm>
+            <a:off x="583096" y="2737696"/>
+            <a:ext cx="5076897" cy="3819375"/>
+          </a:xfrm>
+          <a:prstGeom prst="rect">
+            <a:avLst/>
+          </a:prstGeom>
+        </p:spPr>
+      </p:pic>
     </p:spTree>
     <p:extLst>
       <p:ext uri="{BB962C8B-B14F-4D97-AF65-F5344CB8AC3E}">
@@ -13193,6 +13761,369 @@
 </file>
 
 <file path=ppt/slides/slide15.xml><?xml version="1.0" encoding="utf-8"?>
+<p:sld xmlns:a="http://schemas.openxmlformats.org/drawingml/2006/main" xmlns:r="http://schemas.openxmlformats.org/officeDocument/2006/relationships" xmlns:p="http://schemas.openxmlformats.org/presentationml/2006/main" showMasterSp="0">
+  <p:cSld>
+    <p:spTree>
+      <p:nvGrpSpPr>
+        <p:cNvPr id="1" name=""/>
+        <p:cNvGrpSpPr/>
+        <p:nvPr/>
+      </p:nvGrpSpPr>
+      <p:grpSpPr>
+        <a:xfrm>
+          <a:off x="0" y="0"/>
+          <a:ext cx="0" cy="0"/>
+          <a:chOff x="0" y="0"/>
+          <a:chExt cx="0" cy="0"/>
+        </a:xfrm>
+      </p:grpSpPr>
+      <p:sp>
+        <p:nvSpPr>
+          <p:cNvPr id="6" name="Espace réservé du contenu 2"/>
+          <p:cNvSpPr txBox="1">
+            <a:spLocks/>
+          </p:cNvSpPr>
+          <p:nvPr/>
+        </p:nvSpPr>
+        <p:spPr>
+          <a:xfrm>
+            <a:off x="1152938" y="486946"/>
+            <a:ext cx="10731281" cy="2180615"/>
+          </a:xfrm>
+          <a:prstGeom prst="rect">
+            <a:avLst/>
+          </a:prstGeom>
+        </p:spPr>
+        <p:txBody>
+          <a:bodyPr vert="horz" lIns="91440" tIns="72000" rIns="91440" bIns="45720" numCol="1" rtlCol="0">
+            <a:noAutofit/>
+          </a:bodyPr>
+          <a:lstStyle>
+            <a:lvl1pPr marL="342900" indent="-342900" algn="l" defTabSz="457200" rtl="0" eaLnBrk="1" latinLnBrk="0" hangingPunct="1">
+              <a:spcBef>
+                <a:spcPts val="1000"/>
+              </a:spcBef>
+              <a:spcAft>
+                <a:spcPts val="0"/>
+              </a:spcAft>
+              <a:buClr>
+                <a:schemeClr val="accent1"/>
+              </a:buClr>
+              <a:buFont typeface="Wingdings 3" charset="2"/>
+              <a:buChar char=""/>
+              <a:defRPr sz="1800" kern="1200">
+                <a:solidFill>
+                  <a:schemeClr val="tx1">
+                    <a:lumMod val="75000"/>
+                    <a:lumOff val="25000"/>
+                  </a:schemeClr>
+                </a:solidFill>
+                <a:latin typeface="+mn-lt"/>
+                <a:ea typeface="+mn-ea"/>
+                <a:cs typeface="+mn-cs"/>
+              </a:defRPr>
+            </a:lvl1pPr>
+            <a:lvl2pPr marL="742950" indent="-285750" algn="l" defTabSz="457200" rtl="0" eaLnBrk="1" latinLnBrk="0" hangingPunct="1">
+              <a:spcBef>
+                <a:spcPts val="1000"/>
+              </a:spcBef>
+              <a:spcAft>
+                <a:spcPts val="0"/>
+              </a:spcAft>
+              <a:buClr>
+                <a:schemeClr val="accent1"/>
+              </a:buClr>
+              <a:buFont typeface="Wingdings 3" charset="2"/>
+              <a:buChar char=""/>
+              <a:defRPr sz="1600" kern="1200">
+                <a:solidFill>
+                  <a:schemeClr val="tx1">
+                    <a:lumMod val="75000"/>
+                    <a:lumOff val="25000"/>
+                  </a:schemeClr>
+                </a:solidFill>
+                <a:latin typeface="+mn-lt"/>
+                <a:ea typeface="+mn-ea"/>
+                <a:cs typeface="+mn-cs"/>
+              </a:defRPr>
+            </a:lvl2pPr>
+            <a:lvl3pPr marL="1143000" indent="-228600" algn="l" defTabSz="457200" rtl="0" eaLnBrk="1" latinLnBrk="0" hangingPunct="1">
+              <a:spcBef>
+                <a:spcPts val="1000"/>
+              </a:spcBef>
+              <a:spcAft>
+                <a:spcPts val="0"/>
+              </a:spcAft>
+              <a:buClr>
+                <a:schemeClr val="accent1"/>
+              </a:buClr>
+              <a:buFont typeface="Wingdings 3" charset="2"/>
+              <a:buChar char=""/>
+              <a:defRPr sz="1400" kern="1200">
+                <a:solidFill>
+                  <a:schemeClr val="tx1">
+                    <a:lumMod val="75000"/>
+                    <a:lumOff val="25000"/>
+                  </a:schemeClr>
+                </a:solidFill>
+                <a:latin typeface="+mn-lt"/>
+                <a:ea typeface="+mn-ea"/>
+                <a:cs typeface="+mn-cs"/>
+              </a:defRPr>
+            </a:lvl3pPr>
+            <a:lvl4pPr marL="1600200" indent="-228600" algn="l" defTabSz="457200" rtl="0" eaLnBrk="1" latinLnBrk="0" hangingPunct="1">
+              <a:spcBef>
+                <a:spcPts val="1000"/>
+              </a:spcBef>
+              <a:spcAft>
+                <a:spcPts val="0"/>
+              </a:spcAft>
+              <a:buClr>
+                <a:schemeClr val="accent1"/>
+              </a:buClr>
+              <a:buFont typeface="Wingdings 3" charset="2"/>
+              <a:buChar char=""/>
+              <a:defRPr sz="1200" kern="1200">
+                <a:solidFill>
+                  <a:schemeClr val="tx1">
+                    <a:lumMod val="75000"/>
+                    <a:lumOff val="25000"/>
+                  </a:schemeClr>
+                </a:solidFill>
+                <a:latin typeface="+mn-lt"/>
+                <a:ea typeface="+mn-ea"/>
+                <a:cs typeface="+mn-cs"/>
+              </a:defRPr>
+            </a:lvl4pPr>
+            <a:lvl5pPr marL="2057400" indent="-228600" algn="l" defTabSz="457200" rtl="0" eaLnBrk="1" latinLnBrk="0" hangingPunct="1">
+              <a:spcBef>
+                <a:spcPts val="1000"/>
+              </a:spcBef>
+              <a:spcAft>
+                <a:spcPts val="0"/>
+              </a:spcAft>
+              <a:buClr>
+                <a:schemeClr val="accent1"/>
+              </a:buClr>
+              <a:buFont typeface="Wingdings 3" charset="2"/>
+              <a:buChar char=""/>
+              <a:defRPr sz="1200" kern="1200">
+                <a:solidFill>
+                  <a:schemeClr val="tx1">
+                    <a:lumMod val="75000"/>
+                    <a:lumOff val="25000"/>
+                  </a:schemeClr>
+                </a:solidFill>
+                <a:latin typeface="+mn-lt"/>
+                <a:ea typeface="+mn-ea"/>
+                <a:cs typeface="+mn-cs"/>
+              </a:defRPr>
+            </a:lvl5pPr>
+            <a:lvl6pPr marL="2514600" indent="-228600" algn="l" defTabSz="457200" rtl="0" eaLnBrk="1" latinLnBrk="0" hangingPunct="1">
+              <a:spcBef>
+                <a:spcPts val="1000"/>
+              </a:spcBef>
+              <a:spcAft>
+                <a:spcPts val="0"/>
+              </a:spcAft>
+              <a:buClr>
+                <a:schemeClr val="accent1"/>
+              </a:buClr>
+              <a:buFont typeface="Wingdings 3" charset="2"/>
+              <a:buChar char=""/>
+              <a:defRPr sz="1200" kern="1200">
+                <a:solidFill>
+                  <a:schemeClr val="tx1">
+                    <a:lumMod val="75000"/>
+                    <a:lumOff val="25000"/>
+                  </a:schemeClr>
+                </a:solidFill>
+                <a:latin typeface="+mn-lt"/>
+                <a:ea typeface="+mn-ea"/>
+                <a:cs typeface="+mn-cs"/>
+              </a:defRPr>
+            </a:lvl6pPr>
+            <a:lvl7pPr marL="2971800" indent="-228600" algn="l" defTabSz="457200" rtl="0" eaLnBrk="1" latinLnBrk="0" hangingPunct="1">
+              <a:spcBef>
+                <a:spcPts val="1000"/>
+              </a:spcBef>
+              <a:spcAft>
+                <a:spcPts val="0"/>
+              </a:spcAft>
+              <a:buClr>
+                <a:schemeClr val="accent1"/>
+              </a:buClr>
+              <a:buFont typeface="Wingdings 3" charset="2"/>
+              <a:buChar char=""/>
+              <a:defRPr sz="1200" kern="1200">
+                <a:solidFill>
+                  <a:schemeClr val="tx1">
+                    <a:lumMod val="75000"/>
+                    <a:lumOff val="25000"/>
+                  </a:schemeClr>
+                </a:solidFill>
+                <a:latin typeface="+mn-lt"/>
+                <a:ea typeface="+mn-ea"/>
+                <a:cs typeface="+mn-cs"/>
+              </a:defRPr>
+            </a:lvl7pPr>
+            <a:lvl8pPr marL="3429000" indent="-228600" algn="l" defTabSz="457200" rtl="0" eaLnBrk="1" latinLnBrk="0" hangingPunct="1">
+              <a:spcBef>
+                <a:spcPts val="1000"/>
+              </a:spcBef>
+              <a:spcAft>
+                <a:spcPts val="0"/>
+              </a:spcAft>
+              <a:buClr>
+                <a:schemeClr val="accent1"/>
+              </a:buClr>
+              <a:buFont typeface="Wingdings 3" charset="2"/>
+              <a:buChar char=""/>
+              <a:defRPr sz="1200" kern="1200">
+                <a:solidFill>
+                  <a:schemeClr val="tx1">
+                    <a:lumMod val="75000"/>
+                    <a:lumOff val="25000"/>
+                  </a:schemeClr>
+                </a:solidFill>
+                <a:latin typeface="+mn-lt"/>
+                <a:ea typeface="+mn-ea"/>
+                <a:cs typeface="+mn-cs"/>
+              </a:defRPr>
+            </a:lvl8pPr>
+            <a:lvl9pPr marL="3886200" indent="-228600" algn="l" defTabSz="457200" rtl="0" eaLnBrk="1" latinLnBrk="0" hangingPunct="1">
+              <a:spcBef>
+                <a:spcPts val="1000"/>
+              </a:spcBef>
+              <a:spcAft>
+                <a:spcPts val="0"/>
+              </a:spcAft>
+              <a:buClr>
+                <a:schemeClr val="accent1"/>
+              </a:buClr>
+              <a:buFont typeface="Wingdings 3" charset="2"/>
+              <a:buChar char=""/>
+              <a:defRPr sz="1200" kern="1200">
+                <a:solidFill>
+                  <a:schemeClr val="tx1">
+                    <a:lumMod val="75000"/>
+                    <a:lumOff val="25000"/>
+                  </a:schemeClr>
+                </a:solidFill>
+                <a:latin typeface="+mn-lt"/>
+                <a:ea typeface="+mn-ea"/>
+                <a:cs typeface="+mn-cs"/>
+              </a:defRPr>
+            </a:lvl9pPr>
+          </a:lstStyle>
+          <a:p>
+            <a:pPr algn="ctr">
+              <a:buFont typeface="Wingdings" panose="05000000000000000000" pitchFamily="2" charset="2"/>
+              <a:buChar char="v"/>
+            </a:pPr>
+            <a:r>
+              <a:rPr lang="fr-FR" sz="2800" u="sng" dirty="0"/>
+              <a:t>Méthode1 : Seuillage des images dans le domaine réel</a:t>
+            </a:r>
+            <a:r>
+              <a:rPr lang="en-US" dirty="0"/>
+              <a:t>			</a:t>
+            </a:r>
+          </a:p>
+          <a:p>
+            <a:endParaRPr lang="fr-FR" dirty="0"/>
+          </a:p>
+        </p:txBody>
+      </p:sp>
+      <p:sp>
+        <p:nvSpPr>
+          <p:cNvPr id="2" name="Espace réservé du contenu 1"/>
+          <p:cNvSpPr>
+            <a:spLocks noGrp="1"/>
+          </p:cNvSpPr>
+          <p:nvPr>
+            <p:ph idx="1"/>
+          </p:nvPr>
+        </p:nvSpPr>
+        <p:spPr>
+          <a:xfrm>
+            <a:off x="1152938" y="1987827"/>
+            <a:ext cx="8915400" cy="3777622"/>
+          </a:xfrm>
+        </p:spPr>
+        <p:txBody>
+          <a:bodyPr>
+            <a:normAutofit fontScale="92500"/>
+          </a:bodyPr>
+          <a:lstStyle/>
+          <a:p>
+            <a:r>
+              <a:rPr lang="fr-FR" sz="2400" dirty="0"/>
+              <a:t>Détermination de l’écart entre les barycentres → interfrange </a:t>
+            </a:r>
+          </a:p>
+          <a:p>
+            <a:endParaRPr lang="fr-FR" sz="2400" dirty="0"/>
+          </a:p>
+          <a:p>
+            <a:r>
+              <a:rPr lang="fr-FR" sz="2400" dirty="0"/>
+              <a:t>Courbe de la fréquence selon la profondeur </a:t>
+            </a:r>
+          </a:p>
+          <a:p>
+            <a:endParaRPr lang="fr-FR" dirty="0"/>
+          </a:p>
+          <a:p>
+            <a:endParaRPr lang="fr-FR" dirty="0"/>
+          </a:p>
+          <a:p>
+            <a:endParaRPr lang="fr-FR" dirty="0"/>
+          </a:p>
+          <a:p>
+            <a:endParaRPr lang="fr-FR" dirty="0"/>
+          </a:p>
+          <a:p>
+            <a:endParaRPr lang="fr-FR" dirty="0"/>
+          </a:p>
+          <a:p>
+            <a:pPr>
+              <a:buFont typeface="Wingdings" panose="05000000000000000000" pitchFamily="2" charset="2"/>
+              <a:buChar char="Ø"/>
+            </a:pPr>
+            <a:r>
+              <a:rPr lang="fr-FR" sz="2200" dirty="0"/>
+              <a:t>Cette méthode n’a pas encore été aboutie </a:t>
+            </a:r>
+          </a:p>
+        </p:txBody>
+      </p:sp>
+    </p:spTree>
+    <p:extLst>
+      <p:ext uri="{BB962C8B-B14F-4D97-AF65-F5344CB8AC3E}">
+        <p14:creationId xmlns:p14="http://schemas.microsoft.com/office/powerpoint/2010/main" val="2213245042"/>
+      </p:ext>
+    </p:extLst>
+  </p:cSld>
+  <p:clrMapOvr>
+    <a:masterClrMapping/>
+  </p:clrMapOvr>
+  <mc:AlternateContent xmlns:mc="http://schemas.openxmlformats.org/markup-compatibility/2006" xmlns:p15="http://schemas.microsoft.com/office/powerpoint/2012/main">
+    <mc:Choice Requires="p15">
+      <p:transition xmlns:p14="http://schemas.microsoft.com/office/powerpoint/2010/main" spd="slow" p14:dur="1250">
+        <p15:prstTrans prst="peelOff"/>
+      </p:transition>
+    </mc:Choice>
+    <mc:Fallback xmlns="">
+      <p:transition spd="slow">
+        <p:fade/>
+      </p:transition>
+    </mc:Fallback>
+  </mc:AlternateContent>
+</p:sld>
+</file>
+
+<file path=ppt/slides/slide16.xml><?xml version="1.0" encoding="utf-8"?>
 <p:sld xmlns:a="http://schemas.openxmlformats.org/drawingml/2006/main" xmlns:r="http://schemas.openxmlformats.org/officeDocument/2006/relationships" xmlns:p="http://schemas.openxmlformats.org/presentationml/2006/main" showMasterSp="0">
   <p:cSld>
     <p:bg>
@@ -13272,87 +14203,112 @@
             </a:pPr>
             <a:endParaRPr lang="fr-FR" u="sng" dirty="0"/>
           </a:p>
-        </p:txBody>
-      </p:sp>
+          <a:p>
+            <a:pPr marL="0" indent="0">
+              <a:buNone/>
+            </a:pPr>
+            <a:endParaRPr lang="fr-FR" u="sng" dirty="0"/>
+          </a:p>
+          <a:p>
+            <a:pPr marL="0" indent="0">
+              <a:buNone/>
+            </a:pPr>
+            <a:endParaRPr lang="fr-FR" u="sng" dirty="0"/>
+          </a:p>
+          <a:p>
+            <a:pPr marL="0" indent="0">
+              <a:buNone/>
+            </a:pPr>
+            <a:endParaRPr lang="fr-FR" u="sng" dirty="0"/>
+          </a:p>
+          <a:p>
+            <a:pPr marL="0" indent="0">
+              <a:buNone/>
+            </a:pPr>
+            <a:endParaRPr lang="fr-FR" u="sng" dirty="0"/>
+          </a:p>
+          <a:p>
+            <a:pPr marL="0" indent="0">
+              <a:buNone/>
+            </a:pPr>
+            <a:endParaRPr lang="fr-FR" u="sng" dirty="0"/>
+          </a:p>
+          <a:p>
+            <a:pPr marL="0" indent="0">
+              <a:buNone/>
+            </a:pPr>
+            <a:endParaRPr lang="fr-FR" u="sng" dirty="0"/>
+          </a:p>
+          <a:p>
+            <a:pPr marL="0" indent="0">
+              <a:buNone/>
+            </a:pPr>
+            <a:endParaRPr lang="fr-FR" u="sng" dirty="0"/>
+          </a:p>
+          <a:p>
+            <a:pPr marL="0" indent="0">
+              <a:buNone/>
+            </a:pPr>
+            <a:endParaRPr lang="fr-FR" u="sng" dirty="0"/>
+          </a:p>
+          <a:p>
+            <a:pPr marL="0" indent="0">
+              <a:buNone/>
+            </a:pPr>
+            <a:endParaRPr lang="fr-FR" u="sng" dirty="0"/>
+          </a:p>
+          <a:p>
+            <a:pPr marL="0" indent="0">
+              <a:buNone/>
+            </a:pPr>
+            <a:endParaRPr lang="fr-FR" u="sng" dirty="0"/>
+          </a:p>
+          <a:p>
+            <a:pPr marL="0" indent="0">
+              <a:buNone/>
+            </a:pPr>
+            <a:endParaRPr lang="fr-FR" u="sng" dirty="0"/>
+          </a:p>
+          <a:p>
+            <a:pPr>
+              <a:buFont typeface="Wingdings" panose="05000000000000000000" pitchFamily="2" charset="2"/>
+              <a:buChar char="Ø"/>
+            </a:pPr>
+            <a:r>
+              <a:rPr lang="fr-FR" sz="2200" dirty="0"/>
+              <a:t>Pas une idée exploitable…</a:t>
+            </a:r>
+          </a:p>
+        </p:txBody>
+      </p:sp>
+      <p:pic>
+        <p:nvPicPr>
+          <p:cNvPr id="2" name="Image 1"/>
+          <p:cNvPicPr>
+            <a:picLocks noChangeAspect="1"/>
+          </p:cNvPicPr>
+          <p:nvPr/>
+        </p:nvPicPr>
+        <p:blipFill>
+          <a:blip r:embed="rId2"/>
+          <a:stretch>
+            <a:fillRect/>
+          </a:stretch>
+        </p:blipFill>
+        <p:spPr>
+          <a:xfrm>
+            <a:off x="2916065" y="1215022"/>
+            <a:ext cx="6627260" cy="4985720"/>
+          </a:xfrm>
+          <a:prstGeom prst="rect">
+            <a:avLst/>
+          </a:prstGeom>
+        </p:spPr>
+      </p:pic>
     </p:spTree>
     <p:extLst>
       <p:ext uri="{BB962C8B-B14F-4D97-AF65-F5344CB8AC3E}">
         <p14:creationId xmlns:p14="http://schemas.microsoft.com/office/powerpoint/2010/main" val="1313640147"/>
-      </p:ext>
-    </p:extLst>
-  </p:cSld>
-  <p:clrMapOvr>
-    <a:masterClrMapping/>
-  </p:clrMapOvr>
-  <mc:AlternateContent xmlns:mc="http://schemas.openxmlformats.org/markup-compatibility/2006" xmlns:p15="http://schemas.microsoft.com/office/powerpoint/2012/main">
-    <mc:Choice Requires="p15">
-      <p:transition xmlns:p14="http://schemas.microsoft.com/office/powerpoint/2010/main" spd="slow" p14:dur="1250">
-        <p15:prstTrans prst="peelOff"/>
-      </p:transition>
-    </mc:Choice>
-    <mc:Fallback xmlns="">
-      <p:transition spd="slow">
-        <p:fade/>
-      </p:transition>
-    </mc:Fallback>
-  </mc:AlternateContent>
-</p:sld>
-</file>
-
-<file path=ppt/slides/slide16.xml><?xml version="1.0" encoding="utf-8"?>
-<p:sld xmlns:a="http://schemas.openxmlformats.org/drawingml/2006/main" xmlns:r="http://schemas.openxmlformats.org/officeDocument/2006/relationships" xmlns:p="http://schemas.openxmlformats.org/presentationml/2006/main" showMasterSp="0">
-  <p:cSld>
-    <p:spTree>
-      <p:nvGrpSpPr>
-        <p:cNvPr id="1" name=""/>
-        <p:cNvGrpSpPr/>
-        <p:nvPr/>
-      </p:nvGrpSpPr>
-      <p:grpSpPr>
-        <a:xfrm>
-          <a:off x="0" y="0"/>
-          <a:ext cx="0" cy="0"/>
-          <a:chOff x="0" y="0"/>
-          <a:chExt cx="0" cy="0"/>
-        </a:xfrm>
-      </p:grpSpPr>
-      <p:sp>
-        <p:nvSpPr>
-          <p:cNvPr id="3" name="Espace réservé du contenu 2"/>
-          <p:cNvSpPr>
-            <a:spLocks noGrp="1"/>
-          </p:cNvSpPr>
-          <p:nvPr>
-            <p:ph idx="1"/>
-          </p:nvPr>
-        </p:nvSpPr>
-        <p:spPr>
-          <a:xfrm>
-            <a:off x="1878012" y="274912"/>
-            <a:ext cx="8915400" cy="6212974"/>
-          </a:xfrm>
-        </p:spPr>
-        <p:txBody>
-          <a:bodyPr tIns="72000">
-            <a:noAutofit/>
-          </a:bodyPr>
-          <a:lstStyle/>
-          <a:p>
-            <a:pPr>
-              <a:buFont typeface="Wingdings" panose="05000000000000000000" pitchFamily="2" charset="2"/>
-              <a:buChar char="v"/>
-            </a:pPr>
-            <a:r>
-              <a:rPr lang="fr-FR" sz="2800" u="sng" dirty="0"/>
-              <a:t>III. Détermination de la position axiale </a:t>
-            </a:r>
-          </a:p>
-        </p:txBody>
-      </p:sp>
-    </p:spTree>
-    <p:extLst>
-      <p:ext uri="{BB962C8B-B14F-4D97-AF65-F5344CB8AC3E}">
-        <p14:creationId xmlns:p14="http://schemas.microsoft.com/office/powerpoint/2010/main" val="1711679437"/>
       </p:ext>
     </p:extLst>
   </p:cSld>
@@ -13393,6 +14349,358 @@
       </p:grpSpPr>
       <p:sp>
         <p:nvSpPr>
+          <p:cNvPr id="6" name="Espace réservé du contenu 2"/>
+          <p:cNvSpPr txBox="1">
+            <a:spLocks/>
+          </p:cNvSpPr>
+          <p:nvPr/>
+        </p:nvSpPr>
+        <p:spPr>
+          <a:xfrm>
+            <a:off x="1152938" y="486946"/>
+            <a:ext cx="10731281" cy="2180615"/>
+          </a:xfrm>
+          <a:prstGeom prst="rect">
+            <a:avLst/>
+          </a:prstGeom>
+        </p:spPr>
+        <p:txBody>
+          <a:bodyPr vert="horz" lIns="91440" tIns="72000" rIns="91440" bIns="45720" numCol="1" rtlCol="0">
+            <a:noAutofit/>
+          </a:bodyPr>
+          <a:lstStyle>
+            <a:lvl1pPr marL="342900" indent="-342900" algn="l" defTabSz="457200" rtl="0" eaLnBrk="1" latinLnBrk="0" hangingPunct="1">
+              <a:spcBef>
+                <a:spcPts val="1000"/>
+              </a:spcBef>
+              <a:spcAft>
+                <a:spcPts val="0"/>
+              </a:spcAft>
+              <a:buClr>
+                <a:schemeClr val="accent1"/>
+              </a:buClr>
+              <a:buFont typeface="Wingdings 3" charset="2"/>
+              <a:buChar char=""/>
+              <a:defRPr sz="1800" kern="1200">
+                <a:solidFill>
+                  <a:schemeClr val="tx1">
+                    <a:lumMod val="75000"/>
+                    <a:lumOff val="25000"/>
+                  </a:schemeClr>
+                </a:solidFill>
+                <a:latin typeface="+mn-lt"/>
+                <a:ea typeface="+mn-ea"/>
+                <a:cs typeface="+mn-cs"/>
+              </a:defRPr>
+            </a:lvl1pPr>
+            <a:lvl2pPr marL="742950" indent="-285750" algn="l" defTabSz="457200" rtl="0" eaLnBrk="1" latinLnBrk="0" hangingPunct="1">
+              <a:spcBef>
+                <a:spcPts val="1000"/>
+              </a:spcBef>
+              <a:spcAft>
+                <a:spcPts val="0"/>
+              </a:spcAft>
+              <a:buClr>
+                <a:schemeClr val="accent1"/>
+              </a:buClr>
+              <a:buFont typeface="Wingdings 3" charset="2"/>
+              <a:buChar char=""/>
+              <a:defRPr sz="1600" kern="1200">
+                <a:solidFill>
+                  <a:schemeClr val="tx1">
+                    <a:lumMod val="75000"/>
+                    <a:lumOff val="25000"/>
+                  </a:schemeClr>
+                </a:solidFill>
+                <a:latin typeface="+mn-lt"/>
+                <a:ea typeface="+mn-ea"/>
+                <a:cs typeface="+mn-cs"/>
+              </a:defRPr>
+            </a:lvl2pPr>
+            <a:lvl3pPr marL="1143000" indent="-228600" algn="l" defTabSz="457200" rtl="0" eaLnBrk="1" latinLnBrk="0" hangingPunct="1">
+              <a:spcBef>
+                <a:spcPts val="1000"/>
+              </a:spcBef>
+              <a:spcAft>
+                <a:spcPts val="0"/>
+              </a:spcAft>
+              <a:buClr>
+                <a:schemeClr val="accent1"/>
+              </a:buClr>
+              <a:buFont typeface="Wingdings 3" charset="2"/>
+              <a:buChar char=""/>
+              <a:defRPr sz="1400" kern="1200">
+                <a:solidFill>
+                  <a:schemeClr val="tx1">
+                    <a:lumMod val="75000"/>
+                    <a:lumOff val="25000"/>
+                  </a:schemeClr>
+                </a:solidFill>
+                <a:latin typeface="+mn-lt"/>
+                <a:ea typeface="+mn-ea"/>
+                <a:cs typeface="+mn-cs"/>
+              </a:defRPr>
+            </a:lvl3pPr>
+            <a:lvl4pPr marL="1600200" indent="-228600" algn="l" defTabSz="457200" rtl="0" eaLnBrk="1" latinLnBrk="0" hangingPunct="1">
+              <a:spcBef>
+                <a:spcPts val="1000"/>
+              </a:spcBef>
+              <a:spcAft>
+                <a:spcPts val="0"/>
+              </a:spcAft>
+              <a:buClr>
+                <a:schemeClr val="accent1"/>
+              </a:buClr>
+              <a:buFont typeface="Wingdings 3" charset="2"/>
+              <a:buChar char=""/>
+              <a:defRPr sz="1200" kern="1200">
+                <a:solidFill>
+                  <a:schemeClr val="tx1">
+                    <a:lumMod val="75000"/>
+                    <a:lumOff val="25000"/>
+                  </a:schemeClr>
+                </a:solidFill>
+                <a:latin typeface="+mn-lt"/>
+                <a:ea typeface="+mn-ea"/>
+                <a:cs typeface="+mn-cs"/>
+              </a:defRPr>
+            </a:lvl4pPr>
+            <a:lvl5pPr marL="2057400" indent="-228600" algn="l" defTabSz="457200" rtl="0" eaLnBrk="1" latinLnBrk="0" hangingPunct="1">
+              <a:spcBef>
+                <a:spcPts val="1000"/>
+              </a:spcBef>
+              <a:spcAft>
+                <a:spcPts val="0"/>
+              </a:spcAft>
+              <a:buClr>
+                <a:schemeClr val="accent1"/>
+              </a:buClr>
+              <a:buFont typeface="Wingdings 3" charset="2"/>
+              <a:buChar char=""/>
+              <a:defRPr sz="1200" kern="1200">
+                <a:solidFill>
+                  <a:schemeClr val="tx1">
+                    <a:lumMod val="75000"/>
+                    <a:lumOff val="25000"/>
+                  </a:schemeClr>
+                </a:solidFill>
+                <a:latin typeface="+mn-lt"/>
+                <a:ea typeface="+mn-ea"/>
+                <a:cs typeface="+mn-cs"/>
+              </a:defRPr>
+            </a:lvl5pPr>
+            <a:lvl6pPr marL="2514600" indent="-228600" algn="l" defTabSz="457200" rtl="0" eaLnBrk="1" latinLnBrk="0" hangingPunct="1">
+              <a:spcBef>
+                <a:spcPts val="1000"/>
+              </a:spcBef>
+              <a:spcAft>
+                <a:spcPts val="0"/>
+              </a:spcAft>
+              <a:buClr>
+                <a:schemeClr val="accent1"/>
+              </a:buClr>
+              <a:buFont typeface="Wingdings 3" charset="2"/>
+              <a:buChar char=""/>
+              <a:defRPr sz="1200" kern="1200">
+                <a:solidFill>
+                  <a:schemeClr val="tx1">
+                    <a:lumMod val="75000"/>
+                    <a:lumOff val="25000"/>
+                  </a:schemeClr>
+                </a:solidFill>
+                <a:latin typeface="+mn-lt"/>
+                <a:ea typeface="+mn-ea"/>
+                <a:cs typeface="+mn-cs"/>
+              </a:defRPr>
+            </a:lvl6pPr>
+            <a:lvl7pPr marL="2971800" indent="-228600" algn="l" defTabSz="457200" rtl="0" eaLnBrk="1" latinLnBrk="0" hangingPunct="1">
+              <a:spcBef>
+                <a:spcPts val="1000"/>
+              </a:spcBef>
+              <a:spcAft>
+                <a:spcPts val="0"/>
+              </a:spcAft>
+              <a:buClr>
+                <a:schemeClr val="accent1"/>
+              </a:buClr>
+              <a:buFont typeface="Wingdings 3" charset="2"/>
+              <a:buChar char=""/>
+              <a:defRPr sz="1200" kern="1200">
+                <a:solidFill>
+                  <a:schemeClr val="tx1">
+                    <a:lumMod val="75000"/>
+                    <a:lumOff val="25000"/>
+                  </a:schemeClr>
+                </a:solidFill>
+                <a:latin typeface="+mn-lt"/>
+                <a:ea typeface="+mn-ea"/>
+                <a:cs typeface="+mn-cs"/>
+              </a:defRPr>
+            </a:lvl7pPr>
+            <a:lvl8pPr marL="3429000" indent="-228600" algn="l" defTabSz="457200" rtl="0" eaLnBrk="1" latinLnBrk="0" hangingPunct="1">
+              <a:spcBef>
+                <a:spcPts val="1000"/>
+              </a:spcBef>
+              <a:spcAft>
+                <a:spcPts val="0"/>
+              </a:spcAft>
+              <a:buClr>
+                <a:schemeClr val="accent1"/>
+              </a:buClr>
+              <a:buFont typeface="Wingdings 3" charset="2"/>
+              <a:buChar char=""/>
+              <a:defRPr sz="1200" kern="1200">
+                <a:solidFill>
+                  <a:schemeClr val="tx1">
+                    <a:lumMod val="75000"/>
+                    <a:lumOff val="25000"/>
+                  </a:schemeClr>
+                </a:solidFill>
+                <a:latin typeface="+mn-lt"/>
+                <a:ea typeface="+mn-ea"/>
+                <a:cs typeface="+mn-cs"/>
+              </a:defRPr>
+            </a:lvl8pPr>
+            <a:lvl9pPr marL="3886200" indent="-228600" algn="l" defTabSz="457200" rtl="0" eaLnBrk="1" latinLnBrk="0" hangingPunct="1">
+              <a:spcBef>
+                <a:spcPts val="1000"/>
+              </a:spcBef>
+              <a:spcAft>
+                <a:spcPts val="0"/>
+              </a:spcAft>
+              <a:buClr>
+                <a:schemeClr val="accent1"/>
+              </a:buClr>
+              <a:buFont typeface="Wingdings 3" charset="2"/>
+              <a:buChar char=""/>
+              <a:defRPr sz="1200" kern="1200">
+                <a:solidFill>
+                  <a:schemeClr val="tx1">
+                    <a:lumMod val="75000"/>
+                    <a:lumOff val="25000"/>
+                  </a:schemeClr>
+                </a:solidFill>
+                <a:latin typeface="+mn-lt"/>
+                <a:ea typeface="+mn-ea"/>
+                <a:cs typeface="+mn-cs"/>
+              </a:defRPr>
+            </a:lvl9pPr>
+          </a:lstStyle>
+          <a:p>
+            <a:pPr algn="ctr">
+              <a:buFont typeface="Wingdings" panose="05000000000000000000" pitchFamily="2" charset="2"/>
+              <a:buChar char="v"/>
+            </a:pPr>
+            <a:r>
+              <a:rPr lang="fr-FR" sz="2800" u="sng" dirty="0"/>
+              <a:t>Avantages et inconvénients des deux méthodes</a:t>
+            </a:r>
+          </a:p>
+          <a:p>
+            <a:pPr marL="0" indent="0" algn="ctr">
+              <a:buNone/>
+            </a:pPr>
+            <a:r>
+              <a:rPr lang="en-US" dirty="0"/>
+              <a:t>			</a:t>
+            </a:r>
+          </a:p>
+          <a:p>
+            <a:endParaRPr lang="fr-FR" dirty="0"/>
+          </a:p>
+        </p:txBody>
+      </p:sp>
+      <p:sp>
+        <p:nvSpPr>
+          <p:cNvPr id="3" name="Espace réservé du contenu 2"/>
+          <p:cNvSpPr>
+            <a:spLocks noGrp="1"/>
+          </p:cNvSpPr>
+          <p:nvPr>
+            <p:ph idx="1"/>
+          </p:nvPr>
+        </p:nvSpPr>
+        <p:spPr>
+          <a:xfrm>
+            <a:off x="1152938" y="1828800"/>
+            <a:ext cx="8915400" cy="4346713"/>
+          </a:xfrm>
+        </p:spPr>
+        <p:txBody>
+          <a:bodyPr>
+            <a:normAutofit/>
+          </a:bodyPr>
+          <a:lstStyle/>
+          <a:p>
+            <a:r>
+              <a:rPr lang="fr-FR" sz="2200" dirty="0"/>
+              <a:t>Fourier : précis mais lent</a:t>
+            </a:r>
+          </a:p>
+          <a:p>
+            <a:endParaRPr lang="fr-FR" sz="2200" dirty="0"/>
+          </a:p>
+          <a:p>
+            <a:endParaRPr lang="fr-FR" sz="2200" dirty="0"/>
+          </a:p>
+          <a:p>
+            <a:endParaRPr lang="fr-FR" sz="2200" dirty="0"/>
+          </a:p>
+          <a:p>
+            <a:endParaRPr lang="fr-FR" sz="2200" dirty="0"/>
+          </a:p>
+          <a:p>
+            <a:r>
+              <a:rPr lang="fr-FR" sz="2200" dirty="0"/>
+              <a:t>Seuillage : rapide mais moins précis…</a:t>
+            </a:r>
+          </a:p>
+        </p:txBody>
+      </p:sp>
+    </p:spTree>
+    <p:extLst>
+      <p:ext uri="{BB962C8B-B14F-4D97-AF65-F5344CB8AC3E}">
+        <p14:creationId xmlns:p14="http://schemas.microsoft.com/office/powerpoint/2010/main" val="2572719920"/>
+      </p:ext>
+    </p:extLst>
+  </p:cSld>
+  <p:clrMapOvr>
+    <a:masterClrMapping/>
+  </p:clrMapOvr>
+  <mc:AlternateContent xmlns:mc="http://schemas.openxmlformats.org/markup-compatibility/2006" xmlns:p15="http://schemas.microsoft.com/office/powerpoint/2012/main">
+    <mc:Choice Requires="p15">
+      <p:transition xmlns:p14="http://schemas.microsoft.com/office/powerpoint/2010/main" spd="slow" p14:dur="1250">
+        <p15:prstTrans prst="peelOff"/>
+      </p:transition>
+    </mc:Choice>
+    <mc:Fallback xmlns="">
+      <p:transition spd="slow">
+        <p:fade/>
+      </p:transition>
+    </mc:Fallback>
+  </mc:AlternateContent>
+</p:sld>
+</file>
+
+<file path=ppt/slides/slide18.xml><?xml version="1.0" encoding="utf-8"?>
+<p:sld xmlns:a="http://schemas.openxmlformats.org/drawingml/2006/main" xmlns:r="http://schemas.openxmlformats.org/officeDocument/2006/relationships" xmlns:p="http://schemas.openxmlformats.org/presentationml/2006/main" showMasterSp="0">
+  <p:cSld>
+    <p:spTree>
+      <p:nvGrpSpPr>
+        <p:cNvPr id="1" name=""/>
+        <p:cNvGrpSpPr/>
+        <p:nvPr/>
+      </p:nvGrpSpPr>
+      <p:grpSpPr>
+        <a:xfrm>
+          <a:off x="0" y="0"/>
+          <a:ext cx="0" cy="0"/>
+          <a:chOff x="0" y="0"/>
+          <a:chExt cx="0" cy="0"/>
+        </a:xfrm>
+      </p:grpSpPr>
+      <p:sp>
+        <p:nvSpPr>
           <p:cNvPr id="3" name="Espace réservé du contenu 2"/>
           <p:cNvSpPr>
             <a:spLocks noGrp="1"/>
@@ -13538,7 +14846,7 @@
 </p:sld>
 </file>
 
-<file path=ppt/slides/slide18.xml><?xml version="1.0" encoding="utf-8"?>
+<file path=ppt/slides/slide19.xml><?xml version="1.0" encoding="utf-8"?>
 <p:sld xmlns:a="http://schemas.openxmlformats.org/drawingml/2006/main" xmlns:r="http://schemas.openxmlformats.org/officeDocument/2006/relationships" xmlns:p="http://schemas.openxmlformats.org/presentationml/2006/main" showMasterSp="0">
   <p:cSld>
     <p:bg>

--- a/Pres_Avril/PresentationPIMSAvril-Briséis.pptx
+++ b/Pres_Avril/PresentationPIMSAvril-Briséis.pptx
@@ -23,7 +23,7 @@
     <p:sldId id="289" r:id="rId17"/>
     <p:sldId id="287" r:id="rId18"/>
     <p:sldId id="290" r:id="rId19"/>
-    <p:sldId id="273" r:id="rId20"/>
+    <p:sldId id="293" r:id="rId20"/>
     <p:sldId id="274" r:id="rId21"/>
   </p:sldIdLst>
   <p:sldSz cx="12192000" cy="6858000"/>
@@ -14685,6 +14685,31 @@
 <file path=ppt/slides/slide18.xml><?xml version="1.0" encoding="utf-8"?>
 <p:sld xmlns:a="http://schemas.openxmlformats.org/drawingml/2006/main" xmlns:r="http://schemas.openxmlformats.org/officeDocument/2006/relationships" xmlns:p="http://schemas.openxmlformats.org/presentationml/2006/main" showMasterSp="0">
   <p:cSld>
+    <p:bg>
+      <p:bgPr>
+        <a:gradFill>
+          <a:gsLst>
+            <a:gs pos="0">
+              <a:schemeClr val="bg2">
+                <a:tint val="90000"/>
+                <a:satMod val="92000"/>
+                <a:lumMod val="120000"/>
+              </a:schemeClr>
+            </a:gs>
+            <a:gs pos="100000">
+              <a:schemeClr val="accent6">
+                <a:lumMod val="60000"/>
+                <a:lumOff val="40000"/>
+              </a:schemeClr>
+            </a:gs>
+          </a:gsLst>
+          <a:path path="circle">
+            <a:fillToRect l="50000" t="50000" r="100000" b="100000"/>
+          </a:path>
+        </a:gradFill>
+        <a:effectLst/>
+      </p:bgPr>
+    </p:bg>
     <p:spTree>
       <p:nvGrpSpPr>
         <p:cNvPr id="1" name=""/>
@@ -14711,8 +14736,8 @@
         </p:nvSpPr>
         <p:spPr>
           <a:xfrm>
-            <a:off x="1847532" y="1006432"/>
-            <a:ext cx="8915400" cy="6212974"/>
+            <a:off x="1878012" y="274912"/>
+            <a:ext cx="8915400" cy="714303"/>
           </a:xfrm>
         </p:spPr>
         <p:txBody>
@@ -14727,104 +14752,310 @@
             </a:pPr>
             <a:r>
               <a:rPr lang="fr-FR" sz="2800" u="sng" dirty="0"/>
-              <a:t>Conclusion:</a:t>
-            </a:r>
-          </a:p>
-          <a:p>
-            <a:pPr>
-              <a:buFont typeface="Wingdings" panose="05000000000000000000" pitchFamily="2" charset="2"/>
-              <a:buChar char="v"/>
+              <a:t>Pour aller plus loin:</a:t>
+            </a:r>
+            <a:endParaRPr lang="fr-FR" sz="2800" dirty="0"/>
+          </a:p>
+          <a:p>
+            <a:pPr marL="0" indent="0">
+              <a:buNone/>
             </a:pPr>
-            <a:endParaRPr lang="fr-FR" sz="2800" u="sng" dirty="0"/>
-          </a:p>
-        </p:txBody>
-      </p:sp>
-      <p:sp>
-        <p:nvSpPr>
-          <p:cNvPr id="2" name="ZoneTexte 1"/>
-          <p:cNvSpPr txBox="1"/>
+            <a:endParaRPr lang="fr-FR" sz="2800" dirty="0"/>
+          </a:p>
+        </p:txBody>
+      </p:sp>
+      <p:sp>
+        <p:nvSpPr>
+          <p:cNvPr id="13" name="Espace réservé du contenu 2"/>
+          <p:cNvSpPr txBox="1">
+            <a:spLocks/>
+          </p:cNvSpPr>
           <p:nvPr/>
         </p:nvSpPr>
         <p:spPr>
           <a:xfrm>
-            <a:off x="2202873" y="1862051"/>
-            <a:ext cx="7722523" cy="3139321"/>
+            <a:off x="1007164" y="1404730"/>
+            <a:ext cx="8915400" cy="4346713"/>
           </a:xfrm>
           <a:prstGeom prst="rect">
             <a:avLst/>
           </a:prstGeom>
-          <a:noFill/>
         </p:spPr>
         <p:txBody>
-          <a:bodyPr wrap="square" rtlCol="0">
-            <a:spAutoFit/>
+          <a:bodyPr vert="horz" lIns="91440" tIns="45720" rIns="91440" bIns="45720" rtlCol="0">
+            <a:normAutofit/>
           </a:bodyPr>
-          <a:lstStyle/>
-          <a:p>
-            <a:r>
-              <a:rPr lang="fr-FR" dirty="0"/>
-              <a:t>Blablabla</a:t>
-            </a:r>
-            <a:br>
-              <a:rPr lang="fr-FR" dirty="0"/>
-            </a:br>
-            <a:r>
-              <a:rPr lang="fr-FR" dirty="0"/>
-              <a:t>on a rencontré tel </a:t>
-            </a:r>
-            <a:r>
-              <a:rPr lang="fr-FR" dirty="0" err="1"/>
-              <a:t>pb</a:t>
-            </a:r>
-            <a:br>
-              <a:rPr lang="fr-FR" dirty="0"/>
-            </a:br>
-            <a:r>
-              <a:rPr lang="fr-FR" dirty="0"/>
-              <a:t>Qu’on a résolu avec ça</a:t>
-            </a:r>
-          </a:p>
-          <a:p>
-            <a:r>
-              <a:rPr lang="fr-FR" dirty="0"/>
-              <a:t>Mais du coup autre </a:t>
-            </a:r>
-            <a:r>
-              <a:rPr lang="fr-FR" dirty="0" err="1"/>
-              <a:t>pb</a:t>
-            </a:r>
-            <a:br>
-              <a:rPr lang="fr-FR" dirty="0"/>
-            </a:br>
-            <a:r>
-              <a:rPr lang="fr-FR" dirty="0"/>
-              <a:t>et ca va un peu</a:t>
-            </a:r>
-          </a:p>
-          <a:p>
-            <a:endParaRPr lang="fr-FR" dirty="0"/>
-          </a:p>
-          <a:p>
-            <a:r>
-              <a:rPr lang="fr-FR" dirty="0"/>
-              <a:t>Faudrait encore… ?</a:t>
-            </a:r>
-          </a:p>
-          <a:p>
-            <a:endParaRPr lang="fr-FR" dirty="0"/>
-          </a:p>
-          <a:p>
-            <a:r>
-              <a:rPr lang="fr-FR" dirty="0"/>
-              <a:t>Notre travail pourra ouvrir la voie à de nouvelles méthodes de super-résolution en microscopie, et à la reconstitution 3D d’échantillons.</a:t>
-            </a:r>
-          </a:p>
-        </p:txBody>
-      </p:sp>
+          <a:lstStyle>
+            <a:lvl1pPr marL="342900" indent="-342900" algn="l" defTabSz="457200" rtl="0" eaLnBrk="1" latinLnBrk="0" hangingPunct="1">
+              <a:spcBef>
+                <a:spcPts val="1000"/>
+              </a:spcBef>
+              <a:spcAft>
+                <a:spcPts val="0"/>
+              </a:spcAft>
+              <a:buClr>
+                <a:schemeClr val="accent1"/>
+              </a:buClr>
+              <a:buFont typeface="Wingdings 3" charset="2"/>
+              <a:buChar char=""/>
+              <a:defRPr sz="1800" kern="1200">
+                <a:solidFill>
+                  <a:schemeClr val="tx1">
+                    <a:lumMod val="75000"/>
+                    <a:lumOff val="25000"/>
+                  </a:schemeClr>
+                </a:solidFill>
+                <a:latin typeface="+mn-lt"/>
+                <a:ea typeface="+mn-ea"/>
+                <a:cs typeface="+mn-cs"/>
+              </a:defRPr>
+            </a:lvl1pPr>
+            <a:lvl2pPr marL="742950" indent="-285750" algn="l" defTabSz="457200" rtl="0" eaLnBrk="1" latinLnBrk="0" hangingPunct="1">
+              <a:spcBef>
+                <a:spcPts val="1000"/>
+              </a:spcBef>
+              <a:spcAft>
+                <a:spcPts val="0"/>
+              </a:spcAft>
+              <a:buClr>
+                <a:schemeClr val="accent1"/>
+              </a:buClr>
+              <a:buFont typeface="Wingdings 3" charset="2"/>
+              <a:buChar char=""/>
+              <a:defRPr sz="1600" kern="1200">
+                <a:solidFill>
+                  <a:schemeClr val="tx1">
+                    <a:lumMod val="75000"/>
+                    <a:lumOff val="25000"/>
+                  </a:schemeClr>
+                </a:solidFill>
+                <a:latin typeface="+mn-lt"/>
+                <a:ea typeface="+mn-ea"/>
+                <a:cs typeface="+mn-cs"/>
+              </a:defRPr>
+            </a:lvl2pPr>
+            <a:lvl3pPr marL="1143000" indent="-228600" algn="l" defTabSz="457200" rtl="0" eaLnBrk="1" latinLnBrk="0" hangingPunct="1">
+              <a:spcBef>
+                <a:spcPts val="1000"/>
+              </a:spcBef>
+              <a:spcAft>
+                <a:spcPts val="0"/>
+              </a:spcAft>
+              <a:buClr>
+                <a:schemeClr val="accent1"/>
+              </a:buClr>
+              <a:buFont typeface="Wingdings 3" charset="2"/>
+              <a:buChar char=""/>
+              <a:defRPr sz="1400" kern="1200">
+                <a:solidFill>
+                  <a:schemeClr val="tx1">
+                    <a:lumMod val="75000"/>
+                    <a:lumOff val="25000"/>
+                  </a:schemeClr>
+                </a:solidFill>
+                <a:latin typeface="+mn-lt"/>
+                <a:ea typeface="+mn-ea"/>
+                <a:cs typeface="+mn-cs"/>
+              </a:defRPr>
+            </a:lvl3pPr>
+            <a:lvl4pPr marL="1600200" indent="-228600" algn="l" defTabSz="457200" rtl="0" eaLnBrk="1" latinLnBrk="0" hangingPunct="1">
+              <a:spcBef>
+                <a:spcPts val="1000"/>
+              </a:spcBef>
+              <a:spcAft>
+                <a:spcPts val="0"/>
+              </a:spcAft>
+              <a:buClr>
+                <a:schemeClr val="accent1"/>
+              </a:buClr>
+              <a:buFont typeface="Wingdings 3" charset="2"/>
+              <a:buChar char=""/>
+              <a:defRPr sz="1200" kern="1200">
+                <a:solidFill>
+                  <a:schemeClr val="tx1">
+                    <a:lumMod val="75000"/>
+                    <a:lumOff val="25000"/>
+                  </a:schemeClr>
+                </a:solidFill>
+                <a:latin typeface="+mn-lt"/>
+                <a:ea typeface="+mn-ea"/>
+                <a:cs typeface="+mn-cs"/>
+              </a:defRPr>
+            </a:lvl4pPr>
+            <a:lvl5pPr marL="2057400" indent="-228600" algn="l" defTabSz="457200" rtl="0" eaLnBrk="1" latinLnBrk="0" hangingPunct="1">
+              <a:spcBef>
+                <a:spcPts val="1000"/>
+              </a:spcBef>
+              <a:spcAft>
+                <a:spcPts val="0"/>
+              </a:spcAft>
+              <a:buClr>
+                <a:schemeClr val="accent1"/>
+              </a:buClr>
+              <a:buFont typeface="Wingdings 3" charset="2"/>
+              <a:buChar char=""/>
+              <a:defRPr sz="1200" kern="1200">
+                <a:solidFill>
+                  <a:schemeClr val="tx1">
+                    <a:lumMod val="75000"/>
+                    <a:lumOff val="25000"/>
+                  </a:schemeClr>
+                </a:solidFill>
+                <a:latin typeface="+mn-lt"/>
+                <a:ea typeface="+mn-ea"/>
+                <a:cs typeface="+mn-cs"/>
+              </a:defRPr>
+            </a:lvl5pPr>
+            <a:lvl6pPr marL="2514600" indent="-228600" algn="l" defTabSz="457200" rtl="0" eaLnBrk="1" latinLnBrk="0" hangingPunct="1">
+              <a:spcBef>
+                <a:spcPts val="1000"/>
+              </a:spcBef>
+              <a:spcAft>
+                <a:spcPts val="0"/>
+              </a:spcAft>
+              <a:buClr>
+                <a:schemeClr val="accent1"/>
+              </a:buClr>
+              <a:buFont typeface="Wingdings 3" charset="2"/>
+              <a:buChar char=""/>
+              <a:defRPr sz="1200" kern="1200">
+                <a:solidFill>
+                  <a:schemeClr val="tx1">
+                    <a:lumMod val="75000"/>
+                    <a:lumOff val="25000"/>
+                  </a:schemeClr>
+                </a:solidFill>
+                <a:latin typeface="+mn-lt"/>
+                <a:ea typeface="+mn-ea"/>
+                <a:cs typeface="+mn-cs"/>
+              </a:defRPr>
+            </a:lvl6pPr>
+            <a:lvl7pPr marL="2971800" indent="-228600" algn="l" defTabSz="457200" rtl="0" eaLnBrk="1" latinLnBrk="0" hangingPunct="1">
+              <a:spcBef>
+                <a:spcPts val="1000"/>
+              </a:spcBef>
+              <a:spcAft>
+                <a:spcPts val="0"/>
+              </a:spcAft>
+              <a:buClr>
+                <a:schemeClr val="accent1"/>
+              </a:buClr>
+              <a:buFont typeface="Wingdings 3" charset="2"/>
+              <a:buChar char=""/>
+              <a:defRPr sz="1200" kern="1200">
+                <a:solidFill>
+                  <a:schemeClr val="tx1">
+                    <a:lumMod val="75000"/>
+                    <a:lumOff val="25000"/>
+                  </a:schemeClr>
+                </a:solidFill>
+                <a:latin typeface="+mn-lt"/>
+                <a:ea typeface="+mn-ea"/>
+                <a:cs typeface="+mn-cs"/>
+              </a:defRPr>
+            </a:lvl7pPr>
+            <a:lvl8pPr marL="3429000" indent="-228600" algn="l" defTabSz="457200" rtl="0" eaLnBrk="1" latinLnBrk="0" hangingPunct="1">
+              <a:spcBef>
+                <a:spcPts val="1000"/>
+              </a:spcBef>
+              <a:spcAft>
+                <a:spcPts val="0"/>
+              </a:spcAft>
+              <a:buClr>
+                <a:schemeClr val="accent1"/>
+              </a:buClr>
+              <a:buFont typeface="Wingdings 3" charset="2"/>
+              <a:buChar char=""/>
+              <a:defRPr sz="1200" kern="1200">
+                <a:solidFill>
+                  <a:schemeClr val="tx1">
+                    <a:lumMod val="75000"/>
+                    <a:lumOff val="25000"/>
+                  </a:schemeClr>
+                </a:solidFill>
+                <a:latin typeface="+mn-lt"/>
+                <a:ea typeface="+mn-ea"/>
+                <a:cs typeface="+mn-cs"/>
+              </a:defRPr>
+            </a:lvl8pPr>
+            <a:lvl9pPr marL="3886200" indent="-228600" algn="l" defTabSz="457200" rtl="0" eaLnBrk="1" latinLnBrk="0" hangingPunct="1">
+              <a:spcBef>
+                <a:spcPts val="1000"/>
+              </a:spcBef>
+              <a:spcAft>
+                <a:spcPts val="0"/>
+              </a:spcAft>
+              <a:buClr>
+                <a:schemeClr val="accent1"/>
+              </a:buClr>
+              <a:buFont typeface="Wingdings 3" charset="2"/>
+              <a:buChar char=""/>
+              <a:defRPr sz="1200" kern="1200">
+                <a:solidFill>
+                  <a:schemeClr val="tx1">
+                    <a:lumMod val="75000"/>
+                    <a:lumOff val="25000"/>
+                  </a:schemeClr>
+                </a:solidFill>
+                <a:latin typeface="+mn-lt"/>
+                <a:ea typeface="+mn-ea"/>
+                <a:cs typeface="+mn-cs"/>
+              </a:defRPr>
+            </a:lvl9pPr>
+          </a:lstStyle>
+          <a:p>
+            <a:r>
+              <a:rPr lang="fr-FR" sz="2200" dirty="0"/>
+              <a:t>Création d’une </a:t>
+            </a:r>
+            <a:r>
+              <a:rPr lang="fr-FR" sz="2200" dirty="0" err="1"/>
+              <a:t>Graphical</a:t>
+            </a:r>
+            <a:r>
+              <a:rPr lang="fr-FR" sz="2200" dirty="0"/>
+              <a:t> User Interface :</a:t>
+            </a:r>
+          </a:p>
+          <a:p>
+            <a:endParaRPr lang="fr-FR" sz="2200" dirty="0"/>
+          </a:p>
+          <a:p>
+            <a:pPr marL="457200" lvl="1" indent="0">
+              <a:buNone/>
+            </a:pPr>
+            <a:endParaRPr lang="fr-FR" sz="1800" dirty="0"/>
+          </a:p>
+        </p:txBody>
+      </p:sp>
+      <p:pic>
+        <p:nvPicPr>
+          <p:cNvPr id="12" name="Image 11"/>
+          <p:cNvPicPr>
+            <a:picLocks noChangeAspect="1"/>
+          </p:cNvPicPr>
+          <p:nvPr/>
+        </p:nvPicPr>
+        <p:blipFill>
+          <a:blip r:embed="rId2"/>
+          <a:stretch>
+            <a:fillRect/>
+          </a:stretch>
+        </p:blipFill>
+        <p:spPr>
+          <a:xfrm>
+            <a:off x="3389985" y="2128565"/>
+            <a:ext cx="5317884" cy="4038393"/>
+          </a:xfrm>
+          <a:prstGeom prst="rect">
+            <a:avLst/>
+          </a:prstGeom>
+        </p:spPr>
+      </p:pic>
     </p:spTree>
     <p:extLst>
       <p:ext uri="{BB962C8B-B14F-4D97-AF65-F5344CB8AC3E}">
-        <p14:creationId xmlns:p14="http://schemas.microsoft.com/office/powerpoint/2010/main" val="909599388"/>
+        <p14:creationId xmlns:p14="http://schemas.microsoft.com/office/powerpoint/2010/main" val="3167684549"/>
       </p:ext>
     </p:extLst>
   </p:cSld>
